--- a/Chapter3/Figures/Fig2.pptx
+++ b/Chapter3/Figures/Fig2.pptx
@@ -7,7 +7,7 @@
   <p:sldIdLst>
     <p:sldId id="256" r:id="rId2"/>
   </p:sldIdLst>
-  <p:sldSz cx="8280400" cy="3960813"/>
+  <p:sldSz cx="9001125" cy="3960813"/>
   <p:notesSz cx="6858000" cy="9144000"/>
   <p:defaultTextStyle>
     <a:defPPr>
@@ -136,8 +136,8 @@
         </p:nvSpPr>
         <p:spPr>
           <a:xfrm>
-            <a:off x="621030" y="1230419"/>
-            <a:ext cx="7038340" cy="849008"/>
+            <a:off x="675085" y="1230419"/>
+            <a:ext cx="7650956" cy="849008"/>
           </a:xfrm>
         </p:spPr>
         <p:txBody>
@@ -164,8 +164,8 @@
         </p:nvSpPr>
         <p:spPr>
           <a:xfrm>
-            <a:off x="1242060" y="2244462"/>
-            <a:ext cx="5796280" cy="1012208"/>
+            <a:off x="1350169" y="2244462"/>
+            <a:ext cx="6300788" cy="1012208"/>
           </a:xfrm>
         </p:spPr>
         <p:txBody>
@@ -288,7 +288,7 @@
           <a:p>
             <a:fld id="{73FF011E-8783-4250-848F-154D55AF8651}" type="datetimeFigureOut">
               <a:rPr lang="en-GB" smtClean="0"/>
-              <a:t>12/06/2014</a:t>
+              <a:t>11/07/2014</a:t>
             </a:fld>
             <a:endParaRPr lang="en-GB"/>
           </a:p>
@@ -458,7 +458,7 @@
           <a:p>
             <a:fld id="{73FF011E-8783-4250-848F-154D55AF8651}" type="datetimeFigureOut">
               <a:rPr lang="en-GB" smtClean="0"/>
-              <a:t>12/06/2014</a:t>
+              <a:t>11/07/2014</a:t>
             </a:fld>
             <a:endParaRPr lang="en-GB"/>
           </a:p>
@@ -548,8 +548,8 @@
         </p:nvSpPr>
         <p:spPr>
           <a:xfrm>
-            <a:off x="6003291" y="158617"/>
-            <a:ext cx="1863090" cy="3379527"/>
+            <a:off x="6525819" y="158619"/>
+            <a:ext cx="2025253" cy="3379527"/>
           </a:xfrm>
         </p:spPr>
         <p:txBody>
@@ -576,8 +576,8 @@
         </p:nvSpPr>
         <p:spPr>
           <a:xfrm>
-            <a:off x="414021" y="158617"/>
-            <a:ext cx="5451264" cy="3379527"/>
+            <a:off x="450060" y="158619"/>
+            <a:ext cx="5925741" cy="3379527"/>
           </a:xfrm>
         </p:spPr>
         <p:txBody>
@@ -638,7 +638,7 @@
           <a:p>
             <a:fld id="{73FF011E-8783-4250-848F-154D55AF8651}" type="datetimeFigureOut">
               <a:rPr lang="en-GB" smtClean="0"/>
-              <a:t>12/06/2014</a:t>
+              <a:t>11/07/2014</a:t>
             </a:fld>
             <a:endParaRPr lang="en-GB"/>
           </a:p>
@@ -808,7 +808,7 @@
           <a:p>
             <a:fld id="{73FF011E-8783-4250-848F-154D55AF8651}" type="datetimeFigureOut">
               <a:rPr lang="en-GB" smtClean="0"/>
-              <a:t>12/06/2014</a:t>
+              <a:t>11/07/2014</a:t>
             </a:fld>
             <a:endParaRPr lang="en-GB"/>
           </a:p>
@@ -898,8 +898,8 @@
         </p:nvSpPr>
         <p:spPr>
           <a:xfrm>
-            <a:off x="654095" y="2545190"/>
-            <a:ext cx="7038340" cy="786661"/>
+            <a:off x="711027" y="2545192"/>
+            <a:ext cx="7650956" cy="786661"/>
           </a:xfrm>
         </p:spPr>
         <p:txBody>
@@ -930,8 +930,8 @@
         </p:nvSpPr>
         <p:spPr>
           <a:xfrm>
-            <a:off x="654095" y="1678763"/>
-            <a:ext cx="7038340" cy="866428"/>
+            <a:off x="711027" y="1678763"/>
+            <a:ext cx="7650956" cy="866428"/>
           </a:xfrm>
         </p:spPr>
         <p:txBody>
@@ -1054,7 +1054,7 @@
           <a:p>
             <a:fld id="{73FF011E-8783-4250-848F-154D55AF8651}" type="datetimeFigureOut">
               <a:rPr lang="en-GB" smtClean="0"/>
-              <a:t>12/06/2014</a:t>
+              <a:t>11/07/2014</a:t>
             </a:fld>
             <a:endParaRPr lang="en-GB"/>
           </a:p>
@@ -1167,8 +1167,8 @@
         </p:nvSpPr>
         <p:spPr>
           <a:xfrm>
-            <a:off x="414021" y="924190"/>
-            <a:ext cx="3657177" cy="2613954"/>
+            <a:off x="450060" y="924190"/>
+            <a:ext cx="3975497" cy="2613954"/>
           </a:xfrm>
         </p:spPr>
         <p:txBody>
@@ -1252,8 +1252,8 @@
         </p:nvSpPr>
         <p:spPr>
           <a:xfrm>
-            <a:off x="4209204" y="924190"/>
-            <a:ext cx="3657177" cy="2613954"/>
+            <a:off x="4575575" y="924190"/>
+            <a:ext cx="3975497" cy="2613954"/>
           </a:xfrm>
         </p:spPr>
         <p:txBody>
@@ -1342,7 +1342,7 @@
           <a:p>
             <a:fld id="{73FF011E-8783-4250-848F-154D55AF8651}" type="datetimeFigureOut">
               <a:rPr lang="en-GB" smtClean="0"/>
-              <a:t>12/06/2014</a:t>
+              <a:t>11/07/2014</a:t>
             </a:fld>
             <a:endParaRPr lang="en-GB"/>
           </a:p>
@@ -1459,8 +1459,8 @@
         </p:nvSpPr>
         <p:spPr>
           <a:xfrm>
-            <a:off x="414020" y="886600"/>
-            <a:ext cx="3658615" cy="369492"/>
+            <a:off x="450057" y="886600"/>
+            <a:ext cx="3977060" cy="369492"/>
           </a:xfrm>
         </p:spPr>
         <p:txBody>
@@ -1524,8 +1524,8 @@
         </p:nvSpPr>
         <p:spPr>
           <a:xfrm>
-            <a:off x="414020" y="1256091"/>
-            <a:ext cx="3658615" cy="2282052"/>
+            <a:off x="450057" y="1256091"/>
+            <a:ext cx="3977060" cy="2282052"/>
           </a:xfrm>
         </p:spPr>
         <p:txBody>
@@ -1609,8 +1609,8 @@
         </p:nvSpPr>
         <p:spPr>
           <a:xfrm>
-            <a:off x="4206329" y="886600"/>
-            <a:ext cx="3660052" cy="369492"/>
+            <a:off x="4572448" y="886600"/>
+            <a:ext cx="3978622" cy="369492"/>
           </a:xfrm>
         </p:spPr>
         <p:txBody>
@@ -1674,8 +1674,8 @@
         </p:nvSpPr>
         <p:spPr>
           <a:xfrm>
-            <a:off x="4206329" y="1256091"/>
-            <a:ext cx="3660052" cy="2282052"/>
+            <a:off x="4572448" y="1256091"/>
+            <a:ext cx="3978622" cy="2282052"/>
           </a:xfrm>
         </p:spPr>
         <p:txBody>
@@ -1764,7 +1764,7 @@
           <a:p>
             <a:fld id="{73FF011E-8783-4250-848F-154D55AF8651}" type="datetimeFigureOut">
               <a:rPr lang="en-GB" smtClean="0"/>
-              <a:t>12/06/2014</a:t>
+              <a:t>11/07/2014</a:t>
             </a:fld>
             <a:endParaRPr lang="en-GB"/>
           </a:p>
@@ -1882,7 +1882,7 @@
           <a:p>
             <a:fld id="{73FF011E-8783-4250-848F-154D55AF8651}" type="datetimeFigureOut">
               <a:rPr lang="en-GB" smtClean="0"/>
-              <a:t>12/06/2014</a:t>
+              <a:t>11/07/2014</a:t>
             </a:fld>
             <a:endParaRPr lang="en-GB"/>
           </a:p>
@@ -1977,7 +1977,7 @@
           <a:p>
             <a:fld id="{73FF011E-8783-4250-848F-154D55AF8651}" type="datetimeFigureOut">
               <a:rPr lang="en-GB" smtClean="0"/>
-              <a:t>12/06/2014</a:t>
+              <a:t>11/07/2014</a:t>
             </a:fld>
             <a:endParaRPr lang="en-GB"/>
           </a:p>
@@ -2067,8 +2067,8 @@
         </p:nvSpPr>
         <p:spPr>
           <a:xfrm>
-            <a:off x="414021" y="157699"/>
-            <a:ext cx="2724194" cy="671138"/>
+            <a:off x="450057" y="157699"/>
+            <a:ext cx="2961308" cy="671138"/>
           </a:xfrm>
         </p:spPr>
         <p:txBody>
@@ -2099,8 +2099,8 @@
         </p:nvSpPr>
         <p:spPr>
           <a:xfrm>
-            <a:off x="3237407" y="157701"/>
-            <a:ext cx="4628974" cy="3380444"/>
+            <a:off x="3519192" y="157701"/>
+            <a:ext cx="5031879" cy="3380444"/>
           </a:xfrm>
         </p:spPr>
         <p:txBody>
@@ -2184,8 +2184,8 @@
         </p:nvSpPr>
         <p:spPr>
           <a:xfrm>
-            <a:off x="414021" y="828837"/>
-            <a:ext cx="2724194" cy="2709306"/>
+            <a:off x="450057" y="828837"/>
+            <a:ext cx="2961308" cy="2709306"/>
           </a:xfrm>
         </p:spPr>
         <p:txBody>
@@ -2254,7 +2254,7 @@
           <a:p>
             <a:fld id="{73FF011E-8783-4250-848F-154D55AF8651}" type="datetimeFigureOut">
               <a:rPr lang="en-GB" smtClean="0"/>
-              <a:t>12/06/2014</a:t>
+              <a:t>11/07/2014</a:t>
             </a:fld>
             <a:endParaRPr lang="en-GB"/>
           </a:p>
@@ -2344,8 +2344,8 @@
         </p:nvSpPr>
         <p:spPr>
           <a:xfrm>
-            <a:off x="1623017" y="2772570"/>
-            <a:ext cx="4968240" cy="327317"/>
+            <a:off x="1764286" y="2772572"/>
+            <a:ext cx="5400675" cy="327317"/>
           </a:xfrm>
         </p:spPr>
         <p:txBody>
@@ -2376,8 +2376,8 @@
         </p:nvSpPr>
         <p:spPr>
           <a:xfrm>
-            <a:off x="1623017" y="353906"/>
-            <a:ext cx="4968240" cy="2376488"/>
+            <a:off x="1764286" y="353907"/>
+            <a:ext cx="5400675" cy="2376488"/>
           </a:xfrm>
         </p:spPr>
         <p:txBody>
@@ -2437,8 +2437,8 @@
         </p:nvSpPr>
         <p:spPr>
           <a:xfrm>
-            <a:off x="1623017" y="3099886"/>
-            <a:ext cx="4968240" cy="464846"/>
+            <a:off x="1764286" y="3099887"/>
+            <a:ext cx="5400675" cy="464846"/>
           </a:xfrm>
         </p:spPr>
         <p:txBody>
@@ -2507,7 +2507,7 @@
           <a:p>
             <a:fld id="{73FF011E-8783-4250-848F-154D55AF8651}" type="datetimeFigureOut">
               <a:rPr lang="en-GB" smtClean="0"/>
-              <a:t>12/06/2014</a:t>
+              <a:t>11/07/2014</a:t>
             </a:fld>
             <a:endParaRPr lang="en-GB"/>
           </a:p>
@@ -2602,8 +2602,8 @@
         </p:nvSpPr>
         <p:spPr>
           <a:xfrm>
-            <a:off x="414020" y="158617"/>
-            <a:ext cx="7452360" cy="660136"/>
+            <a:off x="450058" y="158618"/>
+            <a:ext cx="8101013" cy="660136"/>
           </a:xfrm>
           <a:prstGeom prst="rect">
             <a:avLst/>
@@ -2635,8 +2635,8 @@
         </p:nvSpPr>
         <p:spPr>
           <a:xfrm>
-            <a:off x="414020" y="924190"/>
-            <a:ext cx="7452360" cy="2613954"/>
+            <a:off x="450058" y="924190"/>
+            <a:ext cx="8101013" cy="2613954"/>
           </a:xfrm>
           <a:prstGeom prst="rect">
             <a:avLst/>
@@ -2697,8 +2697,8 @@
         </p:nvSpPr>
         <p:spPr>
           <a:xfrm>
-            <a:off x="414020" y="3671088"/>
-            <a:ext cx="1932094" cy="210877"/>
+            <a:off x="450058" y="3671089"/>
+            <a:ext cx="2100263" cy="210877"/>
           </a:xfrm>
           <a:prstGeom prst="rect">
             <a:avLst/>
@@ -2720,7 +2720,7 @@
           <a:p>
             <a:fld id="{73FF011E-8783-4250-848F-154D55AF8651}" type="datetimeFigureOut">
               <a:rPr lang="en-GB" smtClean="0"/>
-              <a:t>12/06/2014</a:t>
+              <a:t>11/07/2014</a:t>
             </a:fld>
             <a:endParaRPr lang="en-GB"/>
           </a:p>
@@ -2738,8 +2738,8 @@
         </p:nvSpPr>
         <p:spPr>
           <a:xfrm>
-            <a:off x="2829137" y="3671088"/>
-            <a:ext cx="2622126" cy="210877"/>
+            <a:off x="3075385" y="3671089"/>
+            <a:ext cx="2850356" cy="210877"/>
           </a:xfrm>
           <a:prstGeom prst="rect">
             <a:avLst/>
@@ -2775,8 +2775,8 @@
         </p:nvSpPr>
         <p:spPr>
           <a:xfrm>
-            <a:off x="5934287" y="3671088"/>
-            <a:ext cx="1932094" cy="210877"/>
+            <a:off x="6450809" y="3671089"/>
+            <a:ext cx="2100263" cy="210877"/>
           </a:xfrm>
           <a:prstGeom prst="rect">
             <a:avLst/>
@@ -3097,7 +3097,7 @@
       </p:grpSpPr>
       <p:pic>
         <p:nvPicPr>
-          <p:cNvPr id="35" name="Picture 5" descr="C:\Users\Wendy\Documents\wwn20\Thesis\Chapter3\Figures\SPP_drude.png"/>
+          <p:cNvPr id="30" name="Picture 5" descr="C:\Users\Wendy\Documents\wwn20\Thesis\Chapter3\Figures\SPP_disp.png"/>
           <p:cNvPicPr>
             <a:picLocks noChangeAspect="1" noChangeArrowheads="1"/>
           </p:cNvPicPr>
@@ -3118,8 +3118,8 @@
         </p:blipFill>
         <p:spPr bwMode="auto">
           <a:xfrm>
-            <a:off x="19126" y="-40806"/>
-            <a:ext cx="3819525" cy="3886200"/>
+            <a:off x="4010094" y="-27296"/>
+            <a:ext cx="5000625" cy="3886200"/>
           </a:xfrm>
           <a:prstGeom prst="rect">
             <a:avLst/>
@@ -3138,7 +3138,7 @@
       </p:pic>
       <p:pic>
         <p:nvPicPr>
-          <p:cNvPr id="36" name="Picture 2" descr="C:\Users\Wendy\Documents\wwn20\Thesis\Chapter3\Figures\SPP_disp.png"/>
+          <p:cNvPr id="31" name="Picture 4" descr="C:\Users\Wendy\Documents\wwn20\Thesis\Chapter3\Figures\SPP_drude.png"/>
           <p:cNvPicPr>
             <a:picLocks noChangeAspect="1" noChangeArrowheads="1"/>
           </p:cNvPicPr>
@@ -3159,8 +3159,8 @@
         </p:blipFill>
         <p:spPr bwMode="auto">
           <a:xfrm>
-            <a:off x="3486030" y="-35768"/>
-            <a:ext cx="5000625" cy="3886200"/>
+            <a:off x="-33640" y="-27296"/>
+            <a:ext cx="4000500" cy="3886200"/>
           </a:xfrm>
           <a:prstGeom prst="rect">
             <a:avLst/>
@@ -3179,14 +3179,14 @@
       </p:pic>
       <p:cxnSp>
         <p:nvCxnSpPr>
-          <p:cNvPr id="37" name="Straight Connector 36"/>
+          <p:cNvPr id="32" name="Straight Connector 31"/>
           <p:cNvCxnSpPr/>
           <p:nvPr/>
         </p:nvCxnSpPr>
         <p:spPr>
           <a:xfrm>
             <a:off x="743098" y="1679038"/>
-            <a:ext cx="2628000" cy="0"/>
+            <a:ext cx="2736000" cy="0"/>
           </a:xfrm>
           <a:prstGeom prst="line">
             <a:avLst/>
@@ -3217,14 +3217,14 @@
       </p:cxnSp>
       <p:cxnSp>
         <p:nvCxnSpPr>
-          <p:cNvPr id="38" name="Straight Connector 37"/>
+          <p:cNvPr id="33" name="Straight Connector 32"/>
           <p:cNvCxnSpPr/>
           <p:nvPr/>
         </p:nvCxnSpPr>
         <p:spPr>
           <a:xfrm>
             <a:off x="743098" y="2293444"/>
-            <a:ext cx="2628000" cy="0"/>
+            <a:ext cx="2736000" cy="0"/>
           </a:xfrm>
           <a:prstGeom prst="line">
             <a:avLst/>
@@ -3255,13 +3255,13 @@
       </p:cxnSp>
       <p:sp>
         <p:nvSpPr>
-          <p:cNvPr id="39" name="TextBox 38"/>
+          <p:cNvPr id="34" name="TextBox 33"/>
           <p:cNvSpPr txBox="1"/>
           <p:nvPr/>
         </p:nvSpPr>
         <p:spPr>
           <a:xfrm>
-            <a:off x="280240" y="1449104"/>
+            <a:off x="362128" y="1449104"/>
             <a:ext cx="576064" cy="369332"/>
           </a:xfrm>
           <a:prstGeom prst="rect">
@@ -3298,13 +3298,13 @@
       </p:sp>
       <p:sp>
         <p:nvSpPr>
-          <p:cNvPr id="40" name="TextBox 39"/>
+          <p:cNvPr id="43" name="TextBox 42"/>
           <p:cNvSpPr txBox="1"/>
           <p:nvPr/>
         </p:nvSpPr>
         <p:spPr>
           <a:xfrm>
-            <a:off x="275042" y="2026890"/>
+            <a:off x="275042" y="2013242"/>
             <a:ext cx="576064" cy="369332"/>
           </a:xfrm>
           <a:prstGeom prst="rect">
@@ -3341,13 +3341,13 @@
       </p:sp>
       <p:sp>
         <p:nvSpPr>
-          <p:cNvPr id="41" name="TextBox 40"/>
+          <p:cNvPr id="44" name="TextBox 43"/>
           <p:cNvSpPr txBox="1"/>
           <p:nvPr/>
         </p:nvSpPr>
         <p:spPr>
           <a:xfrm>
-            <a:off x="128310" y="-35768"/>
+            <a:off x="-35942" y="-35768"/>
             <a:ext cx="576064" cy="477054"/>
           </a:xfrm>
           <a:prstGeom prst="rect">
@@ -3371,13 +3371,13 @@
       </p:sp>
       <p:sp>
         <p:nvSpPr>
-          <p:cNvPr id="42" name="TextBox 41"/>
+          <p:cNvPr id="45" name="TextBox 44"/>
           <p:cNvSpPr txBox="1"/>
           <p:nvPr/>
         </p:nvSpPr>
         <p:spPr>
           <a:xfrm>
-            <a:off x="3434030" y="-35768"/>
+            <a:off x="3996184" y="-35768"/>
             <a:ext cx="576064" cy="477054"/>
           </a:xfrm>
           <a:prstGeom prst="rect">
@@ -3409,6 +3409,13 @@
   <p:clrMapOvr>
     <a:masterClrMapping/>
   </p:clrMapOvr>
+  <p:timing>
+    <p:tnLst>
+      <p:par>
+        <p:cTn id="1" dur="indefinite" restart="never" nodeType="tmRoot"/>
+      </p:par>
+    </p:tnLst>
+  </p:timing>
 </p:sld>
 </file>
 

--- a/Chapter3/Figures/Fig2.pptx
+++ b/Chapter3/Figures/Fig2.pptx
@@ -288,7 +288,7 @@
           <a:p>
             <a:fld id="{73FF011E-8783-4250-848F-154D55AF8651}" type="datetimeFigureOut">
               <a:rPr lang="en-GB" smtClean="0"/>
-              <a:t>11/07/2014</a:t>
+              <a:t>01/09/2014</a:t>
             </a:fld>
             <a:endParaRPr lang="en-GB"/>
           </a:p>
@@ -458,7 +458,7 @@
           <a:p>
             <a:fld id="{73FF011E-8783-4250-848F-154D55AF8651}" type="datetimeFigureOut">
               <a:rPr lang="en-GB" smtClean="0"/>
-              <a:t>11/07/2014</a:t>
+              <a:t>01/09/2014</a:t>
             </a:fld>
             <a:endParaRPr lang="en-GB"/>
           </a:p>
@@ -638,7 +638,7 @@
           <a:p>
             <a:fld id="{73FF011E-8783-4250-848F-154D55AF8651}" type="datetimeFigureOut">
               <a:rPr lang="en-GB" smtClean="0"/>
-              <a:t>11/07/2014</a:t>
+              <a:t>01/09/2014</a:t>
             </a:fld>
             <a:endParaRPr lang="en-GB"/>
           </a:p>
@@ -808,7 +808,7 @@
           <a:p>
             <a:fld id="{73FF011E-8783-4250-848F-154D55AF8651}" type="datetimeFigureOut">
               <a:rPr lang="en-GB" smtClean="0"/>
-              <a:t>11/07/2014</a:t>
+              <a:t>01/09/2014</a:t>
             </a:fld>
             <a:endParaRPr lang="en-GB"/>
           </a:p>
@@ -1054,7 +1054,7 @@
           <a:p>
             <a:fld id="{73FF011E-8783-4250-848F-154D55AF8651}" type="datetimeFigureOut">
               <a:rPr lang="en-GB" smtClean="0"/>
-              <a:t>11/07/2014</a:t>
+              <a:t>01/09/2014</a:t>
             </a:fld>
             <a:endParaRPr lang="en-GB"/>
           </a:p>
@@ -1342,7 +1342,7 @@
           <a:p>
             <a:fld id="{73FF011E-8783-4250-848F-154D55AF8651}" type="datetimeFigureOut">
               <a:rPr lang="en-GB" smtClean="0"/>
-              <a:t>11/07/2014</a:t>
+              <a:t>01/09/2014</a:t>
             </a:fld>
             <a:endParaRPr lang="en-GB"/>
           </a:p>
@@ -1764,7 +1764,7 @@
           <a:p>
             <a:fld id="{73FF011E-8783-4250-848F-154D55AF8651}" type="datetimeFigureOut">
               <a:rPr lang="en-GB" smtClean="0"/>
-              <a:t>11/07/2014</a:t>
+              <a:t>01/09/2014</a:t>
             </a:fld>
             <a:endParaRPr lang="en-GB"/>
           </a:p>
@@ -1882,7 +1882,7 @@
           <a:p>
             <a:fld id="{73FF011E-8783-4250-848F-154D55AF8651}" type="datetimeFigureOut">
               <a:rPr lang="en-GB" smtClean="0"/>
-              <a:t>11/07/2014</a:t>
+              <a:t>01/09/2014</a:t>
             </a:fld>
             <a:endParaRPr lang="en-GB"/>
           </a:p>
@@ -1977,7 +1977,7 @@
           <a:p>
             <a:fld id="{73FF011E-8783-4250-848F-154D55AF8651}" type="datetimeFigureOut">
               <a:rPr lang="en-GB" smtClean="0"/>
-              <a:t>11/07/2014</a:t>
+              <a:t>01/09/2014</a:t>
             </a:fld>
             <a:endParaRPr lang="en-GB"/>
           </a:p>
@@ -2254,7 +2254,7 @@
           <a:p>
             <a:fld id="{73FF011E-8783-4250-848F-154D55AF8651}" type="datetimeFigureOut">
               <a:rPr lang="en-GB" smtClean="0"/>
-              <a:t>11/07/2014</a:t>
+              <a:t>01/09/2014</a:t>
             </a:fld>
             <a:endParaRPr lang="en-GB"/>
           </a:p>
@@ -2507,7 +2507,7 @@
           <a:p>
             <a:fld id="{73FF011E-8783-4250-848F-154D55AF8651}" type="datetimeFigureOut">
               <a:rPr lang="en-GB" smtClean="0"/>
-              <a:t>11/07/2014</a:t>
+              <a:t>01/09/2014</a:t>
             </a:fld>
             <a:endParaRPr lang="en-GB"/>
           </a:p>
@@ -2720,7 +2720,7 @@
           <a:p>
             <a:fld id="{73FF011E-8783-4250-848F-154D55AF8651}" type="datetimeFigureOut">
               <a:rPr lang="en-GB" smtClean="0"/>
-              <a:t>11/07/2014</a:t>
+              <a:t>01/09/2014</a:t>
             </a:fld>
             <a:endParaRPr lang="en-GB"/>
           </a:p>
@@ -3399,6 +3399,52 @@
           </a:p>
         </p:txBody>
       </p:sp>
+      <p:sp>
+        <p:nvSpPr>
+          <p:cNvPr id="2" name="Rectangle 1"/>
+          <p:cNvSpPr/>
+          <p:nvPr/>
+        </p:nvSpPr>
+        <p:spPr>
+          <a:xfrm>
+            <a:off x="7668914" y="2958811"/>
+            <a:ext cx="720080" cy="208618"/>
+          </a:xfrm>
+          <a:prstGeom prst="rect">
+            <a:avLst/>
+          </a:prstGeom>
+          <a:solidFill>
+            <a:schemeClr val="bg1"/>
+          </a:solidFill>
+          <a:ln>
+            <a:noFill/>
+          </a:ln>
+        </p:spPr>
+        <p:style>
+          <a:lnRef idx="2">
+            <a:schemeClr val="accent1">
+              <a:shade val="50000"/>
+            </a:schemeClr>
+          </a:lnRef>
+          <a:fillRef idx="1">
+            <a:schemeClr val="accent1"/>
+          </a:fillRef>
+          <a:effectRef idx="0">
+            <a:schemeClr val="accent1"/>
+          </a:effectRef>
+          <a:fontRef idx="minor">
+            <a:schemeClr val="lt1"/>
+          </a:fontRef>
+        </p:style>
+        <p:txBody>
+          <a:bodyPr rtlCol="0" anchor="ctr"/>
+          <a:lstStyle/>
+          <a:p>
+            <a:pPr algn="ctr"/>
+            <a:endParaRPr lang="en-GB"/>
+          </a:p>
+        </p:txBody>
+      </p:sp>
     </p:spTree>
     <p:extLst>
       <p:ext uri="{BB962C8B-B14F-4D97-AF65-F5344CB8AC3E}">
